--- a/DS542_Final_Project_Presentation.pptx
+++ b/DS542_Final_Project_Presentation.pptx
@@ -21727,8 +21727,8 @@
         </p:nvSpPr>
         <p:spPr>
           <a:xfrm>
-            <a:off x="489699" y="1230500"/>
-            <a:ext cx="8164602" cy="1449200"/>
+            <a:off x="489699" y="1230499"/>
+            <a:ext cx="6321004" cy="1613599"/>
           </a:xfrm>
           <a:prstGeom prst="rect">
             <a:avLst/>
@@ -22142,7 +22142,7 @@
         </p:nvSpPr>
         <p:spPr>
           <a:xfrm>
-            <a:off x="489697" y="2679700"/>
+            <a:off x="489697" y="2844098"/>
             <a:ext cx="8164604" cy="457200"/>
           </a:xfrm>
           <a:prstGeom prst="rect">
@@ -22236,8 +22236,8 @@
         </p:nvSpPr>
         <p:spPr>
           <a:xfrm>
-            <a:off x="489699" y="3136900"/>
-            <a:ext cx="8164602" cy="1631950"/>
+            <a:off x="489699" y="3301298"/>
+            <a:ext cx="6321004" cy="1459888"/>
           </a:xfrm>
           <a:prstGeom prst="rect">
             <a:avLst/>
@@ -22533,31 +22533,6 @@
             </a:r>
           </a:p>
           <a:p>
-            <a:pPr marL="731520" lvl="1" indent="-213359" algn="just">
-              <a:buClr>
-                <a:schemeClr val="lt2"/>
-              </a:buClr>
-              <a:buFont typeface="Albert Sans"/>
-              <a:buChar char="■"/>
-            </a:pPr>
-            <a:r>
-              <a:rPr lang="en-US" altLang="zh-CN" b="1" dirty="0"/>
-              <a:t>Feature Scope</a:t>
-            </a:r>
-            <a:r>
-              <a:rPr lang="en-US" altLang="zh-CN" dirty="0"/>
-              <a:t>: Analysis limited to PCA-transformed and basic transaction-level features, without incorporating additional behavioral</a:t>
-            </a:r>
-            <a:r>
-              <a:rPr lang="zh-CN" altLang="en-US" dirty="0"/>
-              <a:t> </a:t>
-            </a:r>
-            <a:r>
-              <a:rPr lang="en-US" altLang="zh-CN" dirty="0"/>
-              <a:t>information.</a:t>
-            </a:r>
-          </a:p>
-          <a:p>
             <a:pPr marL="274320" indent="-213359" algn="just">
               <a:buClr>
                 <a:schemeClr val="lt2"/>
@@ -22584,7 +22559,23 @@
             </a:pPr>
             <a:r>
               <a:rPr lang="en-US" altLang="zh-CN" dirty="0"/>
-              <a:t>Employ time series cross-validation to better evaluate model generalization.</a:t>
+              <a:t>Employ Time</a:t>
+            </a:r>
+            <a:r>
+              <a:rPr lang="zh-CN" altLang="en-US" dirty="0"/>
+              <a:t> </a:t>
+            </a:r>
+            <a:r>
+              <a:rPr lang="en-US" altLang="zh-CN" dirty="0"/>
+              <a:t>Series Split CV</a:t>
+            </a:r>
+            <a:r>
+              <a:rPr lang="zh-CN" altLang="en-US" dirty="0"/>
+              <a:t> </a:t>
+            </a:r>
+            <a:r>
+              <a:rPr lang="en-US" altLang="zh-CN" dirty="0"/>
+              <a:t>to better evaluate model generalization.</a:t>
             </a:r>
           </a:p>
           <a:p>
@@ -22602,6 +22593,36 @@
           </a:p>
         </p:txBody>
       </p:sp>
+      <p:pic>
+        <p:nvPicPr>
+          <p:cNvPr id="3" name="图片 2" descr="图形用户界面, 应用程序&#10;&#10;描述已自动生成">
+            <a:extLst>
+              <a:ext uri="{FF2B5EF4-FFF2-40B4-BE49-F238E27FC236}">
+                <a16:creationId xmlns:a16="http://schemas.microsoft.com/office/drawing/2014/main" id="{8F1E7F72-F542-7FA8-D2A1-F104405BCD58}"/>
+              </a:ext>
+            </a:extLst>
+          </p:cNvPr>
+          <p:cNvPicPr>
+            <a:picLocks noChangeAspect="1"/>
+          </p:cNvPicPr>
+          <p:nvPr/>
+        </p:nvPicPr>
+        <p:blipFill>
+          <a:blip r:embed="rId3"/>
+          <a:stretch>
+            <a:fillRect/>
+          </a:stretch>
+        </p:blipFill>
+        <p:spPr>
+          <a:xfrm>
+            <a:off x="6810703" y="533215"/>
+            <a:ext cx="1980662" cy="4292969"/>
+          </a:xfrm>
+          <a:prstGeom prst="rect">
+            <a:avLst/>
+          </a:prstGeom>
+        </p:spPr>
+      </p:pic>
     </p:spTree>
     <p:extLst>
       <p:ext uri="{BB962C8B-B14F-4D97-AF65-F5344CB8AC3E}">
@@ -27350,8 +27371,8 @@
           </a:p>
         </p:txBody>
       </p:sp>
-      <mc:AlternateContent xmlns:mc="http://schemas.openxmlformats.org/markup-compatibility/2006">
-        <mc:Choice xmlns:a14="http://schemas.microsoft.com/office/drawing/2010/main" Requires="a14">
+      <mc:AlternateContent xmlns:mc="http://schemas.openxmlformats.org/markup-compatibility/2006" xmlns:a14="http://schemas.microsoft.com/office/drawing/2010/main">
+        <mc:Choice Requires="a14">
           <p:sp>
             <p:nvSpPr>
               <p:cNvPr id="3" name="Google Shape;278;p44">
@@ -28427,7 +28448,7 @@
             </p:txBody>
           </p:sp>
         </mc:Choice>
-        <mc:Fallback>
+        <mc:Fallback xmlns="">
           <p:sp>
             <p:nvSpPr>
               <p:cNvPr id="3" name="Google Shape;278;p44">
